--- a/Apresentacao_Analise_Correlacao_HousingData.pptx
+++ b/Apresentacao_Analise_Correlacao_HousingData.pptx
@@ -6,14 +6,15 @@
   </p:sldMasterIdLst>
   <p:sldIdLst>
     <p:sldId id="256" r:id="rId2"/>
-    <p:sldId id="257" r:id="rId3"/>
-    <p:sldId id="258" r:id="rId4"/>
-    <p:sldId id="259" r:id="rId5"/>
-    <p:sldId id="260" r:id="rId6"/>
-    <p:sldId id="261" r:id="rId7"/>
-    <p:sldId id="262" r:id="rId8"/>
-    <p:sldId id="263" r:id="rId9"/>
-    <p:sldId id="264" r:id="rId10"/>
+    <p:sldId id="265" r:id="rId3"/>
+    <p:sldId id="257" r:id="rId4"/>
+    <p:sldId id="258" r:id="rId5"/>
+    <p:sldId id="259" r:id="rId6"/>
+    <p:sldId id="260" r:id="rId7"/>
+    <p:sldId id="261" r:id="rId8"/>
+    <p:sldId id="262" r:id="rId9"/>
+    <p:sldId id="263" r:id="rId10"/>
+    <p:sldId id="264" r:id="rId11"/>
   </p:sldIdLst>
   <p:sldSz cx="9144000" cy="6858000" type="screen4x3"/>
   <p:notesSz cx="6858000" cy="9144000"/>
@@ -3180,6 +3181,374 @@
 </p:sld>
 </file>
 
+<file path=ppt/slides/slide10.xml><?xml version="1.0" encoding="utf-8"?>
+<p:sld xmlns:a="http://schemas.openxmlformats.org/drawingml/2006/main" xmlns:r="http://schemas.openxmlformats.org/officeDocument/2006/relationships" xmlns:p="http://schemas.openxmlformats.org/presentationml/2006/main">
+  <p:cSld>
+    <p:spTree>
+      <p:nvGrpSpPr>
+        <p:cNvPr id="1" name=""/>
+        <p:cNvGrpSpPr/>
+        <p:nvPr/>
+      </p:nvGrpSpPr>
+      <p:grpSpPr>
+        <a:xfrm>
+          <a:off x="0" y="0"/>
+          <a:ext cx="0" cy="0"/>
+          <a:chOff x="0" y="0"/>
+          <a:chExt cx="0" cy="0"/>
+        </a:xfrm>
+      </p:grpSpPr>
+      <p:sp>
+        <p:nvSpPr>
+          <p:cNvPr id="8" name="Rectangle 3">
+            <a:extLst>
+              <a:ext uri="{FF2B5EF4-FFF2-40B4-BE49-F238E27FC236}">
+                <a16:creationId xmlns:a16="http://schemas.microsoft.com/office/drawing/2014/main" id="{1699A522-E9D7-6775-6BDD-19E182956994}"/>
+              </a:ext>
+            </a:extLst>
+          </p:cNvPr>
+          <p:cNvSpPr>
+            <a:spLocks noChangeArrowheads="1"/>
+          </p:cNvSpPr>
+          <p:nvPr/>
+        </p:nvSpPr>
+        <p:spPr bwMode="auto">
+          <a:xfrm>
+            <a:off x="-1" y="2228671"/>
+            <a:ext cx="9144000" cy="1200329"/>
+          </a:xfrm>
+          <a:prstGeom prst="rect">
+            <a:avLst/>
+          </a:prstGeom>
+          <a:noFill/>
+          <a:ln>
+            <a:noFill/>
+          </a:ln>
+          <a:effectLst/>
+          <a:extLst>
+            <a:ext uri="{909E8E84-426E-40DD-AFC4-6F175D3DCCD1}">
+              <a14:hiddenFill xmlns:a14="http://schemas.microsoft.com/office/drawing/2010/main">
+                <a:solidFill>
+                  <a:schemeClr val="accent1"/>
+                </a:solidFill>
+              </a14:hiddenFill>
+            </a:ext>
+            <a:ext uri="{91240B29-F687-4F45-9708-019B960494DF}">
+              <a14:hiddenLine xmlns:a14="http://schemas.microsoft.com/office/drawing/2010/main" w="9525">
+                <a:solidFill>
+                  <a:schemeClr val="tx1"/>
+                </a:solidFill>
+                <a:miter lim="800000"/>
+                <a:headEnd/>
+                <a:tailEnd/>
+              </a14:hiddenLine>
+            </a:ext>
+            <a:ext uri="{AF507438-7753-43E0-B8FC-AC1667EBCBE1}">
+              <a14:hiddenEffects xmlns:a14="http://schemas.microsoft.com/office/drawing/2010/main">
+                <a:effectLst>
+                  <a:outerShdw dist="35921" dir="2700000" algn="ctr" rotWithShape="0">
+                    <a:schemeClr val="bg2"/>
+                  </a:outerShdw>
+                </a:effectLst>
+              </a14:hiddenEffects>
+            </a:ext>
+          </a:extLst>
+        </p:spPr>
+        <p:txBody>
+          <a:bodyPr vert="horz" wrap="square" lIns="91440" tIns="45720" rIns="91440" bIns="45720" numCol="1" anchor="ctr" anchorCtr="0" compatLnSpc="1">
+            <a:prstTxWarp prst="textNoShape">
+              <a:avLst/>
+            </a:prstTxWarp>
+            <a:spAutoFit/>
+          </a:bodyPr>
+          <a:lstStyle/>
+          <a:p>
+            <a:pPr marL="285750" marR="0" lvl="0" indent="-285750" algn="l" defTabSz="914400" rtl="0" eaLnBrk="0" fontAlgn="base" latinLnBrk="0" hangingPunct="0">
+              <a:lnSpc>
+                <a:spcPct val="100000"/>
+              </a:lnSpc>
+              <a:spcBef>
+                <a:spcPct val="0"/>
+              </a:spcBef>
+              <a:spcAft>
+                <a:spcPct val="0"/>
+              </a:spcAft>
+              <a:buClrTx/>
+              <a:buSzTx/>
+              <a:buFont typeface="Arial" panose="020B0604020202020204" pitchFamily="34" charset="0"/>
+              <a:buChar char="•"/>
+              <a:tabLst/>
+            </a:pPr>
+            <a:r>
+              <a:rPr kumimoji="0" lang="pt-BR" altLang="pt-BR" sz="1800" b="0" i="0" u="none" strike="noStrike" cap="none" normalizeH="0" baseline="0" dirty="0">
+                <a:ln>
+                  <a:noFill/>
+                </a:ln>
+                <a:solidFill>
+                  <a:schemeClr val="tx1"/>
+                </a:solidFill>
+                <a:effectLst/>
+                <a:latin typeface="Arial" panose="020B0604020202020204" pitchFamily="34" charset="0"/>
+              </a:rPr>
+              <a:t>RM possui </a:t>
+            </a:r>
+            <a:r>
+              <a:rPr kumimoji="0" lang="pt-BR" altLang="pt-BR" sz="1800" b="1" i="0" u="none" strike="noStrike" cap="none" normalizeH="0" baseline="0" dirty="0">
+                <a:ln>
+                  <a:noFill/>
+                </a:ln>
+                <a:solidFill>
+                  <a:schemeClr val="tx1"/>
+                </a:solidFill>
+                <a:effectLst/>
+                <a:latin typeface="Arial" panose="020B0604020202020204" pitchFamily="34" charset="0"/>
+              </a:rPr>
+              <a:t>correlação positiva</a:t>
+            </a:r>
+            <a:r>
+              <a:rPr kumimoji="0" lang="pt-BR" altLang="pt-BR" sz="1800" b="0" i="0" u="none" strike="noStrike" cap="none" normalizeH="0" baseline="0" dirty="0">
+                <a:ln>
+                  <a:noFill/>
+                </a:ln>
+                <a:solidFill>
+                  <a:schemeClr val="tx1"/>
+                </a:solidFill>
+                <a:effectLst/>
+                <a:latin typeface="Arial" panose="020B0604020202020204" pitchFamily="34" charset="0"/>
+              </a:rPr>
+              <a:t> forte com o valor das casas (MEDV).</a:t>
+            </a:r>
+          </a:p>
+          <a:p>
+            <a:pPr marL="285750" marR="0" lvl="0" indent="-285750" algn="l" defTabSz="914400" rtl="0" eaLnBrk="0" fontAlgn="base" latinLnBrk="0" hangingPunct="0">
+              <a:lnSpc>
+                <a:spcPct val="100000"/>
+              </a:lnSpc>
+              <a:spcBef>
+                <a:spcPct val="0"/>
+              </a:spcBef>
+              <a:spcAft>
+                <a:spcPct val="0"/>
+              </a:spcAft>
+              <a:buClrTx/>
+              <a:buSzTx/>
+              <a:buFont typeface="Arial" panose="020B0604020202020204" pitchFamily="34" charset="0"/>
+              <a:buChar char="•"/>
+              <a:tabLst/>
+            </a:pPr>
+            <a:r>
+              <a:rPr kumimoji="0" lang="pt-BR" altLang="pt-BR" sz="1800" b="0" i="0" u="none" strike="noStrike" cap="none" normalizeH="0" baseline="0" dirty="0">
+                <a:ln>
+                  <a:noFill/>
+                </a:ln>
+                <a:solidFill>
+                  <a:schemeClr val="tx1"/>
+                </a:solidFill>
+                <a:effectLst/>
+                <a:latin typeface="Arial" panose="020B0604020202020204" pitchFamily="34" charset="0"/>
+              </a:rPr>
+              <a:t>LSTAT possui </a:t>
+            </a:r>
+            <a:r>
+              <a:rPr kumimoji="0" lang="pt-BR" altLang="pt-BR" sz="1800" b="1" i="0" u="none" strike="noStrike" cap="none" normalizeH="0" baseline="0" dirty="0">
+                <a:ln>
+                  <a:noFill/>
+                </a:ln>
+                <a:solidFill>
+                  <a:schemeClr val="tx1"/>
+                </a:solidFill>
+                <a:effectLst/>
+                <a:latin typeface="Arial" panose="020B0604020202020204" pitchFamily="34" charset="0"/>
+              </a:rPr>
+              <a:t>correlação negativa</a:t>
+            </a:r>
+            <a:r>
+              <a:rPr kumimoji="0" lang="pt-BR" altLang="pt-BR" sz="1800" b="0" i="0" u="none" strike="noStrike" cap="none" normalizeH="0" baseline="0" dirty="0">
+                <a:ln>
+                  <a:noFill/>
+                </a:ln>
+                <a:solidFill>
+                  <a:schemeClr val="tx1"/>
+                </a:solidFill>
+                <a:effectLst/>
+                <a:latin typeface="Arial" panose="020B0604020202020204" pitchFamily="34" charset="0"/>
+              </a:rPr>
+              <a:t> forte com MEDV.</a:t>
+            </a:r>
+          </a:p>
+          <a:p>
+            <a:pPr marL="285750" marR="0" lvl="0" indent="-285750" algn="l" defTabSz="914400" rtl="0" eaLnBrk="0" fontAlgn="base" latinLnBrk="0" hangingPunct="0">
+              <a:lnSpc>
+                <a:spcPct val="100000"/>
+              </a:lnSpc>
+              <a:spcBef>
+                <a:spcPct val="0"/>
+              </a:spcBef>
+              <a:spcAft>
+                <a:spcPct val="0"/>
+              </a:spcAft>
+              <a:buClrTx/>
+              <a:buSzTx/>
+              <a:buFont typeface="Arial" panose="020B0604020202020204" pitchFamily="34" charset="0"/>
+              <a:buChar char="•"/>
+              <a:tabLst/>
+            </a:pPr>
+            <a:r>
+              <a:rPr kumimoji="0" lang="pt-BR" altLang="pt-BR" sz="1800" b="0" i="0" u="none" strike="noStrike" cap="none" normalizeH="0" baseline="0" dirty="0">
+                <a:ln>
+                  <a:noFill/>
+                </a:ln>
+                <a:solidFill>
+                  <a:schemeClr val="tx1"/>
+                </a:solidFill>
+                <a:effectLst/>
+                <a:latin typeface="Arial" panose="020B0604020202020204" pitchFamily="34" charset="0"/>
+              </a:rPr>
+              <a:t>Outras variáveis (CHAS, B, ZN) apresentaram correlações fracas ou nulas.</a:t>
+            </a:r>
+          </a:p>
+          <a:p>
+            <a:pPr marL="285750" marR="0" lvl="0" indent="-285750" algn="l" defTabSz="914400" rtl="0" eaLnBrk="0" fontAlgn="base" latinLnBrk="0" hangingPunct="0">
+              <a:lnSpc>
+                <a:spcPct val="100000"/>
+              </a:lnSpc>
+              <a:spcBef>
+                <a:spcPct val="0"/>
+              </a:spcBef>
+              <a:spcAft>
+                <a:spcPct val="0"/>
+              </a:spcAft>
+              <a:buClrTx/>
+              <a:buSzTx/>
+              <a:buFont typeface="Arial" panose="020B0604020202020204" pitchFamily="34" charset="0"/>
+              <a:buChar char="•"/>
+              <a:tabLst/>
+            </a:pPr>
+            <a:r>
+              <a:rPr kumimoji="0" lang="pt-BR" altLang="pt-BR" sz="1800" b="0" i="0" u="none" strike="noStrike" cap="none" normalizeH="0" baseline="0" dirty="0">
+                <a:ln>
+                  <a:noFill/>
+                </a:ln>
+                <a:solidFill>
+                  <a:schemeClr val="tx1"/>
+                </a:solidFill>
+                <a:effectLst/>
+                <a:latin typeface="Arial" panose="020B0604020202020204" pitchFamily="34" charset="0"/>
+              </a:rPr>
+              <a:t>As análises foram confirmadas por </a:t>
+            </a:r>
+            <a:r>
+              <a:rPr kumimoji="0" lang="pt-BR" altLang="pt-BR" sz="1800" b="1" i="0" u="none" strike="noStrike" cap="none" normalizeH="0" baseline="0" dirty="0">
+                <a:ln>
+                  <a:noFill/>
+                </a:ln>
+                <a:solidFill>
+                  <a:schemeClr val="tx1"/>
+                </a:solidFill>
+                <a:effectLst/>
+                <a:latin typeface="Arial" panose="020B0604020202020204" pitchFamily="34" charset="0"/>
+              </a:rPr>
+              <a:t>teste de hipótese de Pearson (p &lt; 0.05)</a:t>
+            </a:r>
+            <a:r>
+              <a:rPr kumimoji="0" lang="pt-BR" altLang="pt-BR" sz="1800" b="0" i="0" u="none" strike="noStrike" cap="none" normalizeH="0" baseline="0" dirty="0">
+                <a:ln>
+                  <a:noFill/>
+                </a:ln>
+                <a:solidFill>
+                  <a:schemeClr val="tx1"/>
+                </a:solidFill>
+                <a:effectLst/>
+                <a:latin typeface="Arial" panose="020B0604020202020204" pitchFamily="34" charset="0"/>
+              </a:rPr>
+              <a:t>.</a:t>
+            </a:r>
+          </a:p>
+        </p:txBody>
+      </p:sp>
+      <p:sp>
+        <p:nvSpPr>
+          <p:cNvPr id="9" name="CaixaDeTexto 8">
+            <a:extLst>
+              <a:ext uri="{FF2B5EF4-FFF2-40B4-BE49-F238E27FC236}">
+                <a16:creationId xmlns:a16="http://schemas.microsoft.com/office/drawing/2014/main" id="{F08BAA31-C2FF-5F3F-B6CC-F505C6099240}"/>
+              </a:ext>
+            </a:extLst>
+          </p:cNvPr>
+          <p:cNvSpPr txBox="1"/>
+          <p:nvPr/>
+        </p:nvSpPr>
+        <p:spPr>
+          <a:xfrm>
+            <a:off x="3551463" y="1203767"/>
+            <a:ext cx="2041072" cy="523220"/>
+          </a:xfrm>
+          <a:prstGeom prst="rect">
+            <a:avLst/>
+          </a:prstGeom>
+          <a:noFill/>
+        </p:spPr>
+        <p:txBody>
+          <a:bodyPr wrap="none" rtlCol="0">
+            <a:spAutoFit/>
+          </a:bodyPr>
+          <a:lstStyle/>
+          <a:p>
+            <a:r>
+              <a:rPr lang="pt-BR" sz="2800" b="1" dirty="0"/>
+              <a:t>CONCLUSÃO</a:t>
+            </a:r>
+          </a:p>
+        </p:txBody>
+      </p:sp>
+      <p:sp>
+        <p:nvSpPr>
+          <p:cNvPr id="10" name="CaixaDeTexto 9">
+            <a:extLst>
+              <a:ext uri="{FF2B5EF4-FFF2-40B4-BE49-F238E27FC236}">
+                <a16:creationId xmlns:a16="http://schemas.microsoft.com/office/drawing/2014/main" id="{09E9698A-CD66-FA6F-59B0-1A9150B0D718}"/>
+              </a:ext>
+            </a:extLst>
+          </p:cNvPr>
+          <p:cNvSpPr txBox="1"/>
+          <p:nvPr/>
+        </p:nvSpPr>
+        <p:spPr>
+          <a:xfrm>
+            <a:off x="-50801" y="3807686"/>
+            <a:ext cx="9245599" cy="923330"/>
+          </a:xfrm>
+          <a:prstGeom prst="rect">
+            <a:avLst/>
+          </a:prstGeom>
+          <a:noFill/>
+        </p:spPr>
+        <p:txBody>
+          <a:bodyPr wrap="square" rtlCol="0">
+            <a:spAutoFit/>
+          </a:bodyPr>
+          <a:lstStyle/>
+          <a:p>
+            <a:r>
+              <a:rPr lang="pt-BR" dirty="0"/>
+              <a:t>Esses resultados demonstram como variáveis estruturais e socioeconômicas influenciam o valor dos imóveis, reforçando a importância da análise de correlação na compreensão de fenômenos urbanos</a:t>
+            </a:r>
+          </a:p>
+        </p:txBody>
+      </p:sp>
+    </p:spTree>
+    <p:extLst>
+      <p:ext uri="{BB962C8B-B14F-4D97-AF65-F5344CB8AC3E}">
+        <p14:creationId xmlns:p14="http://schemas.microsoft.com/office/powerpoint/2010/main" val="1567447493"/>
+      </p:ext>
+    </p:extLst>
+  </p:cSld>
+  <p:clrMapOvr>
+    <a:masterClrMapping/>
+  </p:clrMapOvr>
+</p:sld>
+</file>
+
 <file path=ppt/slides/slide2.xml><?xml version="1.0" encoding="utf-8"?>
 <p:sld xmlns:a="http://schemas.openxmlformats.org/drawingml/2006/main" xmlns:r="http://schemas.openxmlformats.org/officeDocument/2006/relationships" xmlns:p="http://schemas.openxmlformats.org/presentationml/2006/main">
   <p:cSld>
@@ -3197,55 +3566,21 @@
           <a:chExt cx="0" cy="0"/>
         </a:xfrm>
       </p:grpSpPr>
-      <p:sp>
-        <p:nvSpPr>
-          <p:cNvPr id="10" name="CaixaDeTexto 9">
+      <p:pic>
+        <p:nvPicPr>
+          <p:cNvPr id="5" name="Espaço Reservado para Conteúdo 4">
             <a:extLst>
               <a:ext uri="{FF2B5EF4-FFF2-40B4-BE49-F238E27FC236}">
-                <a16:creationId xmlns:a16="http://schemas.microsoft.com/office/drawing/2014/main" id="{5EA4FFAB-6F38-4A72-3F4F-82D17F7752C9}"/>
-              </a:ext>
-            </a:extLst>
-          </p:cNvPr>
-          <p:cNvSpPr txBox="1"/>
-          <p:nvPr/>
-        </p:nvSpPr>
-        <p:spPr>
-          <a:xfrm>
-            <a:off x="1" y="428978"/>
-            <a:ext cx="9144000" cy="461665"/>
-          </a:xfrm>
-          <a:prstGeom prst="rect">
-            <a:avLst/>
-          </a:prstGeom>
-          <a:noFill/>
-        </p:spPr>
-        <p:txBody>
-          <a:bodyPr wrap="square" rtlCol="0">
-            <a:spAutoFit/>
-          </a:bodyPr>
-          <a:lstStyle/>
-          <a:p>
-            <a:pPr algn="ctr"/>
-            <a:r>
-              <a:rPr lang="pt-BR" sz="2400" dirty="0"/>
-              <a:t>Dispersão – Correlação Positiva</a:t>
-            </a:r>
-          </a:p>
-        </p:txBody>
-      </p:sp>
-      <p:pic>
-        <p:nvPicPr>
-          <p:cNvPr id="8" name="Imagem 7">
-            <a:extLst>
-              <a:ext uri="{FF2B5EF4-FFF2-40B4-BE49-F238E27FC236}">
-                <a16:creationId xmlns:a16="http://schemas.microsoft.com/office/drawing/2014/main" id="{CA190CEE-777E-6FE6-5420-A485133E2D4C}"/>
+                <a16:creationId xmlns:a16="http://schemas.microsoft.com/office/drawing/2014/main" id="{DAEFBBC1-0304-4D20-B426-7B7077895EE4}"/>
               </a:ext>
             </a:extLst>
           </p:cNvPr>
           <p:cNvPicPr>
-            <a:picLocks noChangeAspect="1"/>
+            <a:picLocks noGrp="1" noChangeAspect="1"/>
           </p:cNvPicPr>
-          <p:nvPr/>
+          <p:nvPr>
+            <p:ph idx="1"/>
+          </p:nvPr>
         </p:nvPicPr>
         <p:blipFill>
           <a:blip r:embed="rId2"/>
@@ -3255,48 +3590,50 @@
         </p:blipFill>
         <p:spPr>
           <a:xfrm>
-            <a:off x="-1" y="989943"/>
-            <a:ext cx="9144000" cy="2936426"/>
+            <a:off x="1441938" y="1816820"/>
+            <a:ext cx="6260124" cy="4847673"/>
+          </a:xfrm>
+        </p:spPr>
+      </p:pic>
+      <p:sp>
+        <p:nvSpPr>
+          <p:cNvPr id="6" name="CaixaDeTexto 5">
+            <a:extLst>
+              <a:ext uri="{FF2B5EF4-FFF2-40B4-BE49-F238E27FC236}">
+                <a16:creationId xmlns:a16="http://schemas.microsoft.com/office/drawing/2014/main" id="{BF55CD33-2660-4320-AE48-735C50C1A69D}"/>
+              </a:ext>
+            </a:extLst>
+          </p:cNvPr>
+          <p:cNvSpPr txBox="1"/>
+          <p:nvPr/>
+        </p:nvSpPr>
+        <p:spPr>
+          <a:xfrm>
+            <a:off x="3455251" y="787791"/>
+            <a:ext cx="2233497" cy="461665"/>
           </a:xfrm>
           <a:prstGeom prst="rect">
             <a:avLst/>
           </a:prstGeom>
-        </p:spPr>
-      </p:pic>
-      <p:pic>
-        <p:nvPicPr>
-          <p:cNvPr id="12" name="Imagem 11">
-            <a:extLst>
-              <a:ext uri="{FF2B5EF4-FFF2-40B4-BE49-F238E27FC236}">
-                <a16:creationId xmlns:a16="http://schemas.microsoft.com/office/drawing/2014/main" id="{3FFF12A3-7EAD-5A1C-9807-964565A0CB0F}"/>
-              </a:ext>
-            </a:extLst>
-          </p:cNvPr>
-          <p:cNvPicPr>
-            <a:picLocks noChangeAspect="1"/>
-          </p:cNvPicPr>
-          <p:nvPr/>
-        </p:nvPicPr>
-        <p:blipFill>
-          <a:blip r:embed="rId3"/>
-          <a:stretch>
-            <a:fillRect/>
-          </a:stretch>
-        </p:blipFill>
-        <p:spPr>
-          <a:xfrm>
-            <a:off x="838200" y="4338637"/>
-            <a:ext cx="7467600" cy="1819275"/>
-          </a:xfrm>
-          <a:prstGeom prst="rect">
-            <a:avLst/>
-          </a:prstGeom>
-        </p:spPr>
-      </p:pic>
+          <a:noFill/>
+        </p:spPr>
+        <p:txBody>
+          <a:bodyPr wrap="none" rtlCol="0">
+            <a:spAutoFit/>
+          </a:bodyPr>
+          <a:lstStyle/>
+          <a:p>
+            <a:r>
+              <a:rPr lang="pt-BR" sz="2400" b="1" dirty="0"/>
+              <a:t>RESUMO GERAL</a:t>
+            </a:r>
+          </a:p>
+        </p:txBody>
+      </p:sp>
     </p:spTree>
     <p:extLst>
       <p:ext uri="{BB962C8B-B14F-4D97-AF65-F5344CB8AC3E}">
-        <p14:creationId xmlns:p14="http://schemas.microsoft.com/office/powerpoint/2010/main" val="4232876099"/>
+        <p14:creationId xmlns:p14="http://schemas.microsoft.com/office/powerpoint/2010/main" val="3391913832"/>
       </p:ext>
     </p:extLst>
   </p:cSld>
@@ -3325,6 +3662,132 @@
       </p:grpSpPr>
       <p:sp>
         <p:nvSpPr>
+          <p:cNvPr id="10" name="CaixaDeTexto 9">
+            <a:extLst>
+              <a:ext uri="{FF2B5EF4-FFF2-40B4-BE49-F238E27FC236}">
+                <a16:creationId xmlns:a16="http://schemas.microsoft.com/office/drawing/2014/main" id="{5EA4FFAB-6F38-4A72-3F4F-82D17F7752C9}"/>
+              </a:ext>
+            </a:extLst>
+          </p:cNvPr>
+          <p:cNvSpPr txBox="1"/>
+          <p:nvPr/>
+        </p:nvSpPr>
+        <p:spPr>
+          <a:xfrm>
+            <a:off x="1" y="428978"/>
+            <a:ext cx="9144000" cy="461665"/>
+          </a:xfrm>
+          <a:prstGeom prst="rect">
+            <a:avLst/>
+          </a:prstGeom>
+          <a:noFill/>
+        </p:spPr>
+        <p:txBody>
+          <a:bodyPr wrap="square" rtlCol="0">
+            <a:spAutoFit/>
+          </a:bodyPr>
+          <a:lstStyle/>
+          <a:p>
+            <a:pPr algn="ctr"/>
+            <a:r>
+              <a:rPr lang="pt-BR" sz="2400" dirty="0"/>
+              <a:t>Dispersão – Correlação Positiva</a:t>
+            </a:r>
+          </a:p>
+        </p:txBody>
+      </p:sp>
+      <p:pic>
+        <p:nvPicPr>
+          <p:cNvPr id="8" name="Imagem 7">
+            <a:extLst>
+              <a:ext uri="{FF2B5EF4-FFF2-40B4-BE49-F238E27FC236}">
+                <a16:creationId xmlns:a16="http://schemas.microsoft.com/office/drawing/2014/main" id="{CA190CEE-777E-6FE6-5420-A485133E2D4C}"/>
+              </a:ext>
+            </a:extLst>
+          </p:cNvPr>
+          <p:cNvPicPr>
+            <a:picLocks noChangeAspect="1"/>
+          </p:cNvPicPr>
+          <p:nvPr/>
+        </p:nvPicPr>
+        <p:blipFill>
+          <a:blip r:embed="rId2"/>
+          <a:stretch>
+            <a:fillRect/>
+          </a:stretch>
+        </p:blipFill>
+        <p:spPr>
+          <a:xfrm>
+            <a:off x="-1" y="989943"/>
+            <a:ext cx="9144000" cy="2936426"/>
+          </a:xfrm>
+          <a:prstGeom prst="rect">
+            <a:avLst/>
+          </a:prstGeom>
+        </p:spPr>
+      </p:pic>
+      <p:pic>
+        <p:nvPicPr>
+          <p:cNvPr id="12" name="Imagem 11">
+            <a:extLst>
+              <a:ext uri="{FF2B5EF4-FFF2-40B4-BE49-F238E27FC236}">
+                <a16:creationId xmlns:a16="http://schemas.microsoft.com/office/drawing/2014/main" id="{3FFF12A3-7EAD-5A1C-9807-964565A0CB0F}"/>
+              </a:ext>
+            </a:extLst>
+          </p:cNvPr>
+          <p:cNvPicPr>
+            <a:picLocks noChangeAspect="1"/>
+          </p:cNvPicPr>
+          <p:nvPr/>
+        </p:nvPicPr>
+        <p:blipFill>
+          <a:blip r:embed="rId3"/>
+          <a:stretch>
+            <a:fillRect/>
+          </a:stretch>
+        </p:blipFill>
+        <p:spPr>
+          <a:xfrm>
+            <a:off x="838200" y="4338637"/>
+            <a:ext cx="7467600" cy="1819275"/>
+          </a:xfrm>
+          <a:prstGeom prst="rect">
+            <a:avLst/>
+          </a:prstGeom>
+        </p:spPr>
+      </p:pic>
+    </p:spTree>
+    <p:extLst>
+      <p:ext uri="{BB962C8B-B14F-4D97-AF65-F5344CB8AC3E}">
+        <p14:creationId xmlns:p14="http://schemas.microsoft.com/office/powerpoint/2010/main" val="4232876099"/>
+      </p:ext>
+    </p:extLst>
+  </p:cSld>
+  <p:clrMapOvr>
+    <a:masterClrMapping/>
+  </p:clrMapOvr>
+</p:sld>
+</file>
+
+<file path=ppt/slides/slide4.xml><?xml version="1.0" encoding="utf-8"?>
+<p:sld xmlns:a="http://schemas.openxmlformats.org/drawingml/2006/main" xmlns:r="http://schemas.openxmlformats.org/officeDocument/2006/relationships" xmlns:p="http://schemas.openxmlformats.org/presentationml/2006/main">
+  <p:cSld>
+    <p:spTree>
+      <p:nvGrpSpPr>
+        <p:cNvPr id="1" name=""/>
+        <p:cNvGrpSpPr/>
+        <p:nvPr/>
+      </p:nvGrpSpPr>
+      <p:grpSpPr>
+        <a:xfrm>
+          <a:off x="0" y="0"/>
+          <a:ext cx="0" cy="0"/>
+          <a:chOff x="0" y="0"/>
+          <a:chExt cx="0" cy="0"/>
+        </a:xfrm>
+      </p:grpSpPr>
+      <p:sp>
+        <p:nvSpPr>
           <p:cNvPr id="8" name="CaixaDeTexto 7">
             <a:extLst>
               <a:ext uri="{FF2B5EF4-FFF2-40B4-BE49-F238E27FC236}">
@@ -3432,7 +3895,7 @@
 </p:sld>
 </file>
 
-<file path=ppt/slides/slide4.xml><?xml version="1.0" encoding="utf-8"?>
+<file path=ppt/slides/slide5.xml><?xml version="1.0" encoding="utf-8"?>
 <p:sld xmlns:a="http://schemas.openxmlformats.org/drawingml/2006/main" xmlns:r="http://schemas.openxmlformats.org/officeDocument/2006/relationships" xmlns:p="http://schemas.openxmlformats.org/presentationml/2006/main">
   <p:cSld>
     <p:spTree>
@@ -3701,7 +4164,7 @@
 </p:sld>
 </file>
 
-<file path=ppt/slides/slide5.xml><?xml version="1.0" encoding="utf-8"?>
+<file path=ppt/slides/slide6.xml><?xml version="1.0" encoding="utf-8"?>
 <p:sld xmlns:a="http://schemas.openxmlformats.org/drawingml/2006/main" xmlns:r="http://schemas.openxmlformats.org/officeDocument/2006/relationships" xmlns:p="http://schemas.openxmlformats.org/presentationml/2006/main">
   <p:cSld>
     <p:spTree>
@@ -3991,7 +4454,7 @@
 </p:sld>
 </file>
 
-<file path=ppt/slides/slide6.xml><?xml version="1.0" encoding="utf-8"?>
+<file path=ppt/slides/slide7.xml><?xml version="1.0" encoding="utf-8"?>
 <p:sld xmlns:a="http://schemas.openxmlformats.org/drawingml/2006/main" xmlns:r="http://schemas.openxmlformats.org/officeDocument/2006/relationships" xmlns:p="http://schemas.openxmlformats.org/presentationml/2006/main">
   <p:cSld>
     <p:spTree>
@@ -4281,7 +4744,7 @@
 </p:sld>
 </file>
 
-<file path=ppt/slides/slide7.xml><?xml version="1.0" encoding="utf-8"?>
+<file path=ppt/slides/slide8.xml><?xml version="1.0" encoding="utf-8"?>
 <p:sld xmlns:a="http://schemas.openxmlformats.org/drawingml/2006/main" xmlns:r="http://schemas.openxmlformats.org/officeDocument/2006/relationships" xmlns:p="http://schemas.openxmlformats.org/presentationml/2006/main">
   <p:cSld>
     <p:spTree>
@@ -4571,7 +5034,7 @@
 </p:sld>
 </file>
 
-<file path=ppt/slides/slide8.xml><?xml version="1.0" encoding="utf-8"?>
+<file path=ppt/slides/slide9.xml><?xml version="1.0" encoding="utf-8"?>
 <p:sld xmlns:a="http://schemas.openxmlformats.org/drawingml/2006/main" xmlns:r="http://schemas.openxmlformats.org/officeDocument/2006/relationships" xmlns:p="http://schemas.openxmlformats.org/presentationml/2006/main">
   <p:cSld>
     <p:spTree>
@@ -4723,374 +5186,6 @@
     <p:extLst>
       <p:ext uri="{BB962C8B-B14F-4D97-AF65-F5344CB8AC3E}">
         <p14:creationId xmlns:p14="http://schemas.microsoft.com/office/powerpoint/2010/main" val="3378102656"/>
-      </p:ext>
-    </p:extLst>
-  </p:cSld>
-  <p:clrMapOvr>
-    <a:masterClrMapping/>
-  </p:clrMapOvr>
-</p:sld>
-</file>
-
-<file path=ppt/slides/slide9.xml><?xml version="1.0" encoding="utf-8"?>
-<p:sld xmlns:a="http://schemas.openxmlformats.org/drawingml/2006/main" xmlns:r="http://schemas.openxmlformats.org/officeDocument/2006/relationships" xmlns:p="http://schemas.openxmlformats.org/presentationml/2006/main">
-  <p:cSld>
-    <p:spTree>
-      <p:nvGrpSpPr>
-        <p:cNvPr id="1" name=""/>
-        <p:cNvGrpSpPr/>
-        <p:nvPr/>
-      </p:nvGrpSpPr>
-      <p:grpSpPr>
-        <a:xfrm>
-          <a:off x="0" y="0"/>
-          <a:ext cx="0" cy="0"/>
-          <a:chOff x="0" y="0"/>
-          <a:chExt cx="0" cy="0"/>
-        </a:xfrm>
-      </p:grpSpPr>
-      <p:sp>
-        <p:nvSpPr>
-          <p:cNvPr id="8" name="Rectangle 3">
-            <a:extLst>
-              <a:ext uri="{FF2B5EF4-FFF2-40B4-BE49-F238E27FC236}">
-                <a16:creationId xmlns:a16="http://schemas.microsoft.com/office/drawing/2014/main" id="{1699A522-E9D7-6775-6BDD-19E182956994}"/>
-              </a:ext>
-            </a:extLst>
-          </p:cNvPr>
-          <p:cNvSpPr>
-            <a:spLocks noChangeArrowheads="1"/>
-          </p:cNvSpPr>
-          <p:nvPr/>
-        </p:nvSpPr>
-        <p:spPr bwMode="auto">
-          <a:xfrm>
-            <a:off x="-1" y="2228671"/>
-            <a:ext cx="9144000" cy="1200329"/>
-          </a:xfrm>
-          <a:prstGeom prst="rect">
-            <a:avLst/>
-          </a:prstGeom>
-          <a:noFill/>
-          <a:ln>
-            <a:noFill/>
-          </a:ln>
-          <a:effectLst/>
-          <a:extLst>
-            <a:ext uri="{909E8E84-426E-40DD-AFC4-6F175D3DCCD1}">
-              <a14:hiddenFill xmlns:a14="http://schemas.microsoft.com/office/drawing/2010/main">
-                <a:solidFill>
-                  <a:schemeClr val="accent1"/>
-                </a:solidFill>
-              </a14:hiddenFill>
-            </a:ext>
-            <a:ext uri="{91240B29-F687-4F45-9708-019B960494DF}">
-              <a14:hiddenLine xmlns:a14="http://schemas.microsoft.com/office/drawing/2010/main" w="9525">
-                <a:solidFill>
-                  <a:schemeClr val="tx1"/>
-                </a:solidFill>
-                <a:miter lim="800000"/>
-                <a:headEnd/>
-                <a:tailEnd/>
-              </a14:hiddenLine>
-            </a:ext>
-            <a:ext uri="{AF507438-7753-43E0-B8FC-AC1667EBCBE1}">
-              <a14:hiddenEffects xmlns:a14="http://schemas.microsoft.com/office/drawing/2010/main">
-                <a:effectLst>
-                  <a:outerShdw dist="35921" dir="2700000" algn="ctr" rotWithShape="0">
-                    <a:schemeClr val="bg2"/>
-                  </a:outerShdw>
-                </a:effectLst>
-              </a14:hiddenEffects>
-            </a:ext>
-          </a:extLst>
-        </p:spPr>
-        <p:txBody>
-          <a:bodyPr vert="horz" wrap="square" lIns="91440" tIns="45720" rIns="91440" bIns="45720" numCol="1" anchor="ctr" anchorCtr="0" compatLnSpc="1">
-            <a:prstTxWarp prst="textNoShape">
-              <a:avLst/>
-            </a:prstTxWarp>
-            <a:spAutoFit/>
-          </a:bodyPr>
-          <a:lstStyle/>
-          <a:p>
-            <a:pPr marL="285750" marR="0" lvl="0" indent="-285750" algn="l" defTabSz="914400" rtl="0" eaLnBrk="0" fontAlgn="base" latinLnBrk="0" hangingPunct="0">
-              <a:lnSpc>
-                <a:spcPct val="100000"/>
-              </a:lnSpc>
-              <a:spcBef>
-                <a:spcPct val="0"/>
-              </a:spcBef>
-              <a:spcAft>
-                <a:spcPct val="0"/>
-              </a:spcAft>
-              <a:buClrTx/>
-              <a:buSzTx/>
-              <a:buFont typeface="Arial" panose="020B0604020202020204" pitchFamily="34" charset="0"/>
-              <a:buChar char="•"/>
-              <a:tabLst/>
-            </a:pPr>
-            <a:r>
-              <a:rPr kumimoji="0" lang="pt-BR" altLang="pt-BR" sz="1800" b="0" i="0" u="none" strike="noStrike" cap="none" normalizeH="0" baseline="0" dirty="0">
-                <a:ln>
-                  <a:noFill/>
-                </a:ln>
-                <a:solidFill>
-                  <a:schemeClr val="tx1"/>
-                </a:solidFill>
-                <a:effectLst/>
-                <a:latin typeface="Arial" panose="020B0604020202020204" pitchFamily="34" charset="0"/>
-              </a:rPr>
-              <a:t>RM possui </a:t>
-            </a:r>
-            <a:r>
-              <a:rPr kumimoji="0" lang="pt-BR" altLang="pt-BR" sz="1800" b="1" i="0" u="none" strike="noStrike" cap="none" normalizeH="0" baseline="0" dirty="0">
-                <a:ln>
-                  <a:noFill/>
-                </a:ln>
-                <a:solidFill>
-                  <a:schemeClr val="tx1"/>
-                </a:solidFill>
-                <a:effectLst/>
-                <a:latin typeface="Arial" panose="020B0604020202020204" pitchFamily="34" charset="0"/>
-              </a:rPr>
-              <a:t>correlação positiva</a:t>
-            </a:r>
-            <a:r>
-              <a:rPr kumimoji="0" lang="pt-BR" altLang="pt-BR" sz="1800" b="0" i="0" u="none" strike="noStrike" cap="none" normalizeH="0" baseline="0" dirty="0">
-                <a:ln>
-                  <a:noFill/>
-                </a:ln>
-                <a:solidFill>
-                  <a:schemeClr val="tx1"/>
-                </a:solidFill>
-                <a:effectLst/>
-                <a:latin typeface="Arial" panose="020B0604020202020204" pitchFamily="34" charset="0"/>
-              </a:rPr>
-              <a:t> forte com o valor das casas (MEDV).</a:t>
-            </a:r>
-          </a:p>
-          <a:p>
-            <a:pPr marL="285750" marR="0" lvl="0" indent="-285750" algn="l" defTabSz="914400" rtl="0" eaLnBrk="0" fontAlgn="base" latinLnBrk="0" hangingPunct="0">
-              <a:lnSpc>
-                <a:spcPct val="100000"/>
-              </a:lnSpc>
-              <a:spcBef>
-                <a:spcPct val="0"/>
-              </a:spcBef>
-              <a:spcAft>
-                <a:spcPct val="0"/>
-              </a:spcAft>
-              <a:buClrTx/>
-              <a:buSzTx/>
-              <a:buFont typeface="Arial" panose="020B0604020202020204" pitchFamily="34" charset="0"/>
-              <a:buChar char="•"/>
-              <a:tabLst/>
-            </a:pPr>
-            <a:r>
-              <a:rPr kumimoji="0" lang="pt-BR" altLang="pt-BR" sz="1800" b="0" i="0" u="none" strike="noStrike" cap="none" normalizeH="0" baseline="0" dirty="0">
-                <a:ln>
-                  <a:noFill/>
-                </a:ln>
-                <a:solidFill>
-                  <a:schemeClr val="tx1"/>
-                </a:solidFill>
-                <a:effectLst/>
-                <a:latin typeface="Arial" panose="020B0604020202020204" pitchFamily="34" charset="0"/>
-              </a:rPr>
-              <a:t>LSTAT possui </a:t>
-            </a:r>
-            <a:r>
-              <a:rPr kumimoji="0" lang="pt-BR" altLang="pt-BR" sz="1800" b="1" i="0" u="none" strike="noStrike" cap="none" normalizeH="0" baseline="0" dirty="0">
-                <a:ln>
-                  <a:noFill/>
-                </a:ln>
-                <a:solidFill>
-                  <a:schemeClr val="tx1"/>
-                </a:solidFill>
-                <a:effectLst/>
-                <a:latin typeface="Arial" panose="020B0604020202020204" pitchFamily="34" charset="0"/>
-              </a:rPr>
-              <a:t>correlação negativa</a:t>
-            </a:r>
-            <a:r>
-              <a:rPr kumimoji="0" lang="pt-BR" altLang="pt-BR" sz="1800" b="0" i="0" u="none" strike="noStrike" cap="none" normalizeH="0" baseline="0" dirty="0">
-                <a:ln>
-                  <a:noFill/>
-                </a:ln>
-                <a:solidFill>
-                  <a:schemeClr val="tx1"/>
-                </a:solidFill>
-                <a:effectLst/>
-                <a:latin typeface="Arial" panose="020B0604020202020204" pitchFamily="34" charset="0"/>
-              </a:rPr>
-              <a:t> forte com MEDV.</a:t>
-            </a:r>
-          </a:p>
-          <a:p>
-            <a:pPr marL="285750" marR="0" lvl="0" indent="-285750" algn="l" defTabSz="914400" rtl="0" eaLnBrk="0" fontAlgn="base" latinLnBrk="0" hangingPunct="0">
-              <a:lnSpc>
-                <a:spcPct val="100000"/>
-              </a:lnSpc>
-              <a:spcBef>
-                <a:spcPct val="0"/>
-              </a:spcBef>
-              <a:spcAft>
-                <a:spcPct val="0"/>
-              </a:spcAft>
-              <a:buClrTx/>
-              <a:buSzTx/>
-              <a:buFont typeface="Arial" panose="020B0604020202020204" pitchFamily="34" charset="0"/>
-              <a:buChar char="•"/>
-              <a:tabLst/>
-            </a:pPr>
-            <a:r>
-              <a:rPr kumimoji="0" lang="pt-BR" altLang="pt-BR" sz="1800" b="0" i="0" u="none" strike="noStrike" cap="none" normalizeH="0" baseline="0" dirty="0">
-                <a:ln>
-                  <a:noFill/>
-                </a:ln>
-                <a:solidFill>
-                  <a:schemeClr val="tx1"/>
-                </a:solidFill>
-                <a:effectLst/>
-                <a:latin typeface="Arial" panose="020B0604020202020204" pitchFamily="34" charset="0"/>
-              </a:rPr>
-              <a:t>Outras variáveis (CHAS, B, ZN) apresentaram correlações fracas ou nulas.</a:t>
-            </a:r>
-          </a:p>
-          <a:p>
-            <a:pPr marL="285750" marR="0" lvl="0" indent="-285750" algn="l" defTabSz="914400" rtl="0" eaLnBrk="0" fontAlgn="base" latinLnBrk="0" hangingPunct="0">
-              <a:lnSpc>
-                <a:spcPct val="100000"/>
-              </a:lnSpc>
-              <a:spcBef>
-                <a:spcPct val="0"/>
-              </a:spcBef>
-              <a:spcAft>
-                <a:spcPct val="0"/>
-              </a:spcAft>
-              <a:buClrTx/>
-              <a:buSzTx/>
-              <a:buFont typeface="Arial" panose="020B0604020202020204" pitchFamily="34" charset="0"/>
-              <a:buChar char="•"/>
-              <a:tabLst/>
-            </a:pPr>
-            <a:r>
-              <a:rPr kumimoji="0" lang="pt-BR" altLang="pt-BR" sz="1800" b="0" i="0" u="none" strike="noStrike" cap="none" normalizeH="0" baseline="0" dirty="0">
-                <a:ln>
-                  <a:noFill/>
-                </a:ln>
-                <a:solidFill>
-                  <a:schemeClr val="tx1"/>
-                </a:solidFill>
-                <a:effectLst/>
-                <a:latin typeface="Arial" panose="020B0604020202020204" pitchFamily="34" charset="0"/>
-              </a:rPr>
-              <a:t>As análises foram confirmadas por </a:t>
-            </a:r>
-            <a:r>
-              <a:rPr kumimoji="0" lang="pt-BR" altLang="pt-BR" sz="1800" b="1" i="0" u="none" strike="noStrike" cap="none" normalizeH="0" baseline="0" dirty="0">
-                <a:ln>
-                  <a:noFill/>
-                </a:ln>
-                <a:solidFill>
-                  <a:schemeClr val="tx1"/>
-                </a:solidFill>
-                <a:effectLst/>
-                <a:latin typeface="Arial" panose="020B0604020202020204" pitchFamily="34" charset="0"/>
-              </a:rPr>
-              <a:t>teste de hipótese de Pearson (p &lt; 0.05)</a:t>
-            </a:r>
-            <a:r>
-              <a:rPr kumimoji="0" lang="pt-BR" altLang="pt-BR" sz="1800" b="0" i="0" u="none" strike="noStrike" cap="none" normalizeH="0" baseline="0" dirty="0">
-                <a:ln>
-                  <a:noFill/>
-                </a:ln>
-                <a:solidFill>
-                  <a:schemeClr val="tx1"/>
-                </a:solidFill>
-                <a:effectLst/>
-                <a:latin typeface="Arial" panose="020B0604020202020204" pitchFamily="34" charset="0"/>
-              </a:rPr>
-              <a:t>.</a:t>
-            </a:r>
-          </a:p>
-        </p:txBody>
-      </p:sp>
-      <p:sp>
-        <p:nvSpPr>
-          <p:cNvPr id="9" name="CaixaDeTexto 8">
-            <a:extLst>
-              <a:ext uri="{FF2B5EF4-FFF2-40B4-BE49-F238E27FC236}">
-                <a16:creationId xmlns:a16="http://schemas.microsoft.com/office/drawing/2014/main" id="{F08BAA31-C2FF-5F3F-B6CC-F505C6099240}"/>
-              </a:ext>
-            </a:extLst>
-          </p:cNvPr>
-          <p:cNvSpPr txBox="1"/>
-          <p:nvPr/>
-        </p:nvSpPr>
-        <p:spPr>
-          <a:xfrm>
-            <a:off x="3551463" y="1203767"/>
-            <a:ext cx="2041072" cy="523220"/>
-          </a:xfrm>
-          <a:prstGeom prst="rect">
-            <a:avLst/>
-          </a:prstGeom>
-          <a:noFill/>
-        </p:spPr>
-        <p:txBody>
-          <a:bodyPr wrap="none" rtlCol="0">
-            <a:spAutoFit/>
-          </a:bodyPr>
-          <a:lstStyle/>
-          <a:p>
-            <a:r>
-              <a:rPr lang="pt-BR" sz="2800" b="1" dirty="0"/>
-              <a:t>CONCLUSÃO</a:t>
-            </a:r>
-          </a:p>
-        </p:txBody>
-      </p:sp>
-      <p:sp>
-        <p:nvSpPr>
-          <p:cNvPr id="10" name="CaixaDeTexto 9">
-            <a:extLst>
-              <a:ext uri="{FF2B5EF4-FFF2-40B4-BE49-F238E27FC236}">
-                <a16:creationId xmlns:a16="http://schemas.microsoft.com/office/drawing/2014/main" id="{09E9698A-CD66-FA6F-59B0-1A9150B0D718}"/>
-              </a:ext>
-            </a:extLst>
-          </p:cNvPr>
-          <p:cNvSpPr txBox="1"/>
-          <p:nvPr/>
-        </p:nvSpPr>
-        <p:spPr>
-          <a:xfrm>
-            <a:off x="-50801" y="3807686"/>
-            <a:ext cx="9245599" cy="923330"/>
-          </a:xfrm>
-          <a:prstGeom prst="rect">
-            <a:avLst/>
-          </a:prstGeom>
-          <a:noFill/>
-        </p:spPr>
-        <p:txBody>
-          <a:bodyPr wrap="square" rtlCol="0">
-            <a:spAutoFit/>
-          </a:bodyPr>
-          <a:lstStyle/>
-          <a:p>
-            <a:r>
-              <a:rPr lang="pt-BR" dirty="0"/>
-              <a:t>Esses resultados demonstram como variáveis estruturais e socioeconômicas influenciam o valor dos imóveis, reforçando a importância da análise de correlação na compreensão de fenômenos urbanos</a:t>
-            </a:r>
-          </a:p>
-        </p:txBody>
-      </p:sp>
-    </p:spTree>
-    <p:extLst>
-      <p:ext uri="{BB962C8B-B14F-4D97-AF65-F5344CB8AC3E}">
-        <p14:creationId xmlns:p14="http://schemas.microsoft.com/office/powerpoint/2010/main" val="1567447493"/>
       </p:ext>
     </p:extLst>
   </p:cSld>
